--- a/Documents/Facilities App.pptx
+++ b/Documents/Facilities App.pptx
@@ -111,6 +111,11 @@
       </a:defRPr>
     </a:lvl9pPr>
   </p:defaultTextStyle>
+  <p:extLst>
+    <p:ext uri="{EFAFB233-063F-42B5-8137-9DF3F51BA10A}">
+      <p15:sldGuideLst xmlns:p15="http://schemas.microsoft.com/office/powerpoint/2012/main"/>
+    </p:ext>
+  </p:extLst>
 </p:presentation>
 </file>
 
@@ -171,7 +176,7 @@
           <a:noFill/>
           <a:extLst>
             <a:ext uri="{909E8E84-426E-40dd-AFC4-6F175D3DCCD1}">
-              <a14:hiddenFill xmlns:a14="http://schemas.microsoft.com/office/drawing/2010/main" xmlns="">
+              <a14:hiddenFill xmlns="" xmlns:a14="http://schemas.microsoft.com/office/drawing/2010/main">
                 <a:solidFill>
                   <a:srgbClr val="FFFFFF"/>
                 </a:solidFill>
@@ -230,7 +235,7 @@
             </a:ln>
             <a:extLst>
               <a:ext uri="{91240B29-F687-4f45-9708-019B960494DF}">
-                <a14:hiddenLine xmlns:a14="http://schemas.microsoft.com/office/drawing/2010/main" xmlns="" w="9525">
+                <a14:hiddenLine xmlns="" xmlns:a14="http://schemas.microsoft.com/office/drawing/2010/main" w="9525">
                   <a:solidFill>
                     <a:srgbClr val="000000"/>
                   </a:solidFill>
@@ -320,7 +325,7 @@
             </a:ln>
             <a:extLst>
               <a:ext uri="{91240B29-F687-4f45-9708-019B960494DF}">
-                <a14:hiddenLine xmlns:a14="http://schemas.microsoft.com/office/drawing/2010/main" xmlns="" w="9525">
+                <a14:hiddenLine xmlns="" xmlns:a14="http://schemas.microsoft.com/office/drawing/2010/main" w="9525">
                   <a:solidFill>
                     <a:srgbClr val="000000"/>
                   </a:solidFill>
@@ -410,7 +415,7 @@
             </a:ln>
             <a:extLst>
               <a:ext uri="{91240B29-F687-4f45-9708-019B960494DF}">
-                <a14:hiddenLine xmlns:a14="http://schemas.microsoft.com/office/drawing/2010/main" xmlns="" w="9525">
+                <a14:hiddenLine xmlns="" xmlns:a14="http://schemas.microsoft.com/office/drawing/2010/main" w="9525">
                   <a:solidFill>
                     <a:srgbClr val="000000"/>
                   </a:solidFill>
@@ -444,7 +449,7 @@
             </a:ln>
             <a:extLst>
               <a:ext uri="{91240B29-F687-4f45-9708-019B960494DF}">
-                <a14:hiddenLine xmlns:a14="http://schemas.microsoft.com/office/drawing/2010/main" xmlns="" w="9525">
+                <a14:hiddenLine xmlns="" xmlns:a14="http://schemas.microsoft.com/office/drawing/2010/main" w="9525">
                   <a:solidFill>
                     <a:srgbClr val="000000"/>
                   </a:solidFill>
@@ -534,7 +539,7 @@
             </a:ln>
             <a:extLst>
               <a:ext uri="{91240B29-F687-4f45-9708-019B960494DF}">
-                <a14:hiddenLine xmlns:a14="http://schemas.microsoft.com/office/drawing/2010/main" xmlns="" w="9525">
+                <a14:hiddenLine xmlns="" xmlns:a14="http://schemas.microsoft.com/office/drawing/2010/main" w="9525">
                   <a:solidFill>
                     <a:srgbClr val="000000"/>
                   </a:solidFill>
@@ -596,7 +601,7 @@
             </a:ln>
             <a:extLst>
               <a:ext uri="{91240B29-F687-4f45-9708-019B960494DF}">
-                <a14:hiddenLine xmlns:a14="http://schemas.microsoft.com/office/drawing/2010/main" xmlns="" w="9525">
+                <a14:hiddenLine xmlns="" xmlns:a14="http://schemas.microsoft.com/office/drawing/2010/main" w="9525">
                   <a:solidFill>
                     <a:srgbClr val="000000"/>
                   </a:solidFill>
@@ -658,7 +663,7 @@
             </a:ln>
             <a:extLst>
               <a:ext uri="{91240B29-F687-4f45-9708-019B960494DF}">
-                <a14:hiddenLine xmlns:a14="http://schemas.microsoft.com/office/drawing/2010/main" xmlns="" w="9525">
+                <a14:hiddenLine xmlns="" xmlns:a14="http://schemas.microsoft.com/office/drawing/2010/main" w="9525">
                   <a:solidFill>
                     <a:srgbClr val="000000"/>
                   </a:solidFill>
@@ -748,7 +753,7 @@
             </a:ln>
             <a:extLst>
               <a:ext uri="{91240B29-F687-4f45-9708-019B960494DF}">
-                <a14:hiddenLine xmlns:a14="http://schemas.microsoft.com/office/drawing/2010/main" xmlns="" w="9525">
+                <a14:hiddenLine xmlns="" xmlns:a14="http://schemas.microsoft.com/office/drawing/2010/main" w="9525">
                   <a:solidFill>
                     <a:srgbClr val="000000"/>
                   </a:solidFill>
@@ -810,7 +815,7 @@
             </a:ln>
             <a:extLst>
               <a:ext uri="{91240B29-F687-4f45-9708-019B960494DF}">
-                <a14:hiddenLine xmlns:a14="http://schemas.microsoft.com/office/drawing/2010/main" xmlns="" w="9525">
+                <a14:hiddenLine xmlns="" xmlns:a14="http://schemas.microsoft.com/office/drawing/2010/main" w="9525">
                   <a:solidFill>
                     <a:srgbClr val="000000"/>
                   </a:solidFill>
@@ -872,7 +877,7 @@
             </a:ln>
             <a:extLst>
               <a:ext uri="{91240B29-F687-4f45-9708-019B960494DF}">
-                <a14:hiddenLine xmlns:a14="http://schemas.microsoft.com/office/drawing/2010/main" xmlns="" w="9525">
+                <a14:hiddenLine xmlns="" xmlns:a14="http://schemas.microsoft.com/office/drawing/2010/main" w="9525">
                   <a:solidFill>
                     <a:srgbClr val="000000"/>
                   </a:solidFill>
@@ -962,7 +967,7 @@
             </a:ln>
             <a:extLst>
               <a:ext uri="{91240B29-F687-4f45-9708-019B960494DF}">
-                <a14:hiddenLine xmlns:a14="http://schemas.microsoft.com/office/drawing/2010/main" xmlns="" w="9525">
+                <a14:hiddenLine xmlns="" xmlns:a14="http://schemas.microsoft.com/office/drawing/2010/main" w="9525">
                   <a:solidFill>
                     <a:srgbClr val="000000"/>
                   </a:solidFill>
@@ -1052,7 +1057,7 @@
             </a:ln>
             <a:extLst>
               <a:ext uri="{91240B29-F687-4f45-9708-019B960494DF}">
-                <a14:hiddenLine xmlns:a14="http://schemas.microsoft.com/office/drawing/2010/main" xmlns="" w="9525">
+                <a14:hiddenLine xmlns="" xmlns:a14="http://schemas.microsoft.com/office/drawing/2010/main" w="9525">
                   <a:solidFill>
                     <a:srgbClr val="000000"/>
                   </a:solidFill>
@@ -1114,7 +1119,7 @@
             </a:ln>
             <a:extLst>
               <a:ext uri="{91240B29-F687-4f45-9708-019B960494DF}">
-                <a14:hiddenLine xmlns:a14="http://schemas.microsoft.com/office/drawing/2010/main" xmlns="" w="9525">
+                <a14:hiddenLine xmlns="" xmlns:a14="http://schemas.microsoft.com/office/drawing/2010/main" w="9525">
                   <a:solidFill>
                     <a:srgbClr val="000000"/>
                   </a:solidFill>
@@ -1224,7 +1229,7 @@
             </a:ln>
             <a:extLst>
               <a:ext uri="{91240B29-F687-4f45-9708-019B960494DF}">
-                <a14:hiddenLine xmlns:a14="http://schemas.microsoft.com/office/drawing/2010/main" xmlns="" w="9525">
+                <a14:hiddenLine xmlns="" xmlns:a14="http://schemas.microsoft.com/office/drawing/2010/main" w="9525">
                   <a:solidFill>
                     <a:srgbClr val="000000"/>
                   </a:solidFill>
@@ -1286,7 +1291,7 @@
             </a:ln>
             <a:extLst>
               <a:ext uri="{91240B29-F687-4f45-9708-019B960494DF}">
-                <a14:hiddenLine xmlns:a14="http://schemas.microsoft.com/office/drawing/2010/main" xmlns="" w="9525">
+                <a14:hiddenLine xmlns="" xmlns:a14="http://schemas.microsoft.com/office/drawing/2010/main" w="9525">
                   <a:solidFill>
                     <a:srgbClr val="000000"/>
                   </a:solidFill>
@@ -1376,7 +1381,7 @@
             </a:ln>
             <a:extLst>
               <a:ext uri="{91240B29-F687-4f45-9708-019B960494DF}">
-                <a14:hiddenLine xmlns:a14="http://schemas.microsoft.com/office/drawing/2010/main" xmlns="" w="9525">
+                <a14:hiddenLine xmlns="" xmlns:a14="http://schemas.microsoft.com/office/drawing/2010/main" w="9525">
                   <a:solidFill>
                     <a:srgbClr val="000000"/>
                   </a:solidFill>
@@ -1466,7 +1471,7 @@
             </a:ln>
             <a:extLst>
               <a:ext uri="{91240B29-F687-4f45-9708-019B960494DF}">
-                <a14:hiddenLine xmlns:a14="http://schemas.microsoft.com/office/drawing/2010/main" xmlns="" w="9525">
+                <a14:hiddenLine xmlns="" xmlns:a14="http://schemas.microsoft.com/office/drawing/2010/main" w="9525">
                   <a:solidFill>
                     <a:srgbClr val="000000"/>
                   </a:solidFill>
@@ -1528,7 +1533,7 @@
             </a:ln>
             <a:extLst>
               <a:ext uri="{91240B29-F687-4f45-9708-019B960494DF}">
-                <a14:hiddenLine xmlns:a14="http://schemas.microsoft.com/office/drawing/2010/main" xmlns="" w="9525">
+                <a14:hiddenLine xmlns="" xmlns:a14="http://schemas.microsoft.com/office/drawing/2010/main" w="9525">
                   <a:solidFill>
                     <a:srgbClr val="000000"/>
                   </a:solidFill>
@@ -1618,7 +1623,7 @@
             </a:ln>
             <a:extLst>
               <a:ext uri="{91240B29-F687-4f45-9708-019B960494DF}">
-                <a14:hiddenLine xmlns:a14="http://schemas.microsoft.com/office/drawing/2010/main" xmlns="" w="9525">
+                <a14:hiddenLine xmlns="" xmlns:a14="http://schemas.microsoft.com/office/drawing/2010/main" w="9525">
                   <a:solidFill>
                     <a:srgbClr val="000000"/>
                   </a:solidFill>
@@ -1708,7 +1713,7 @@
             </a:ln>
             <a:extLst>
               <a:ext uri="{91240B29-F687-4f45-9708-019B960494DF}">
-                <a14:hiddenLine xmlns:a14="http://schemas.microsoft.com/office/drawing/2010/main" xmlns="" w="9525">
+                <a14:hiddenLine xmlns="" xmlns:a14="http://schemas.microsoft.com/office/drawing/2010/main" w="9525">
                   <a:solidFill>
                     <a:srgbClr val="000000"/>
                   </a:solidFill>
@@ -1764,7 +1769,7 @@
             </a:ln>
             <a:extLst>
               <a:ext uri="{91240B29-F687-4f45-9708-019B960494DF}">
-                <a14:hiddenLine xmlns:a14="http://schemas.microsoft.com/office/drawing/2010/main" xmlns="" w="9525">
+                <a14:hiddenLine xmlns="" xmlns:a14="http://schemas.microsoft.com/office/drawing/2010/main" w="9525">
                   <a:solidFill>
                     <a:srgbClr val="000000"/>
                   </a:solidFill>
@@ -1854,7 +1859,7 @@
             </a:ln>
             <a:extLst>
               <a:ext uri="{91240B29-F687-4f45-9708-019B960494DF}">
-                <a14:hiddenLine xmlns:a14="http://schemas.microsoft.com/office/drawing/2010/main" xmlns="" w="9525">
+                <a14:hiddenLine xmlns="" xmlns:a14="http://schemas.microsoft.com/office/drawing/2010/main" w="9525">
                   <a:solidFill>
                     <a:srgbClr val="000000"/>
                   </a:solidFill>
@@ -1910,7 +1915,7 @@
             </a:ln>
             <a:extLst>
               <a:ext uri="{91240B29-F687-4f45-9708-019B960494DF}">
-                <a14:hiddenLine xmlns:a14="http://schemas.microsoft.com/office/drawing/2010/main" xmlns="" w="9525">
+                <a14:hiddenLine xmlns="" xmlns:a14="http://schemas.microsoft.com/office/drawing/2010/main" w="9525">
                   <a:solidFill>
                     <a:srgbClr val="000000"/>
                   </a:solidFill>
@@ -2000,7 +2005,7 @@
             </a:ln>
             <a:extLst>
               <a:ext uri="{91240B29-F687-4f45-9708-019B960494DF}">
-                <a14:hiddenLine xmlns:a14="http://schemas.microsoft.com/office/drawing/2010/main" xmlns="" w="9525">
+                <a14:hiddenLine xmlns="" xmlns:a14="http://schemas.microsoft.com/office/drawing/2010/main" w="9525">
                   <a:solidFill>
                     <a:srgbClr val="000000"/>
                   </a:solidFill>
@@ -2068,7 +2073,7 @@
             </a:ln>
             <a:extLst>
               <a:ext uri="{91240B29-F687-4f45-9708-019B960494DF}">
-                <a14:hiddenLine xmlns:a14="http://schemas.microsoft.com/office/drawing/2010/main" xmlns="" w="9525">
+                <a14:hiddenLine xmlns="" xmlns:a14="http://schemas.microsoft.com/office/drawing/2010/main" w="9525">
                   <a:solidFill>
                     <a:srgbClr val="000000"/>
                   </a:solidFill>
@@ -2158,7 +2163,7 @@
             </a:ln>
             <a:extLst>
               <a:ext uri="{91240B29-F687-4f45-9708-019B960494DF}">
-                <a14:hiddenLine xmlns:a14="http://schemas.microsoft.com/office/drawing/2010/main" xmlns="" w="9525">
+                <a14:hiddenLine xmlns="" xmlns:a14="http://schemas.microsoft.com/office/drawing/2010/main" w="9525">
                   <a:solidFill>
                     <a:srgbClr val="000000"/>
                   </a:solidFill>
@@ -2226,7 +2231,7 @@
             </a:ln>
             <a:extLst>
               <a:ext uri="{91240B29-F687-4f45-9708-019B960494DF}">
-                <a14:hiddenLine xmlns:a14="http://schemas.microsoft.com/office/drawing/2010/main" xmlns="" w="9525">
+                <a14:hiddenLine xmlns="" xmlns:a14="http://schemas.microsoft.com/office/drawing/2010/main" w="9525">
                   <a:solidFill>
                     <a:srgbClr val="000000"/>
                   </a:solidFill>
@@ -2316,7 +2321,7 @@
             </a:ln>
             <a:extLst>
               <a:ext uri="{91240B29-F687-4f45-9708-019B960494DF}">
-                <a14:hiddenLine xmlns:a14="http://schemas.microsoft.com/office/drawing/2010/main" xmlns="" w="9525">
+                <a14:hiddenLine xmlns="" xmlns:a14="http://schemas.microsoft.com/office/drawing/2010/main" w="9525">
                   <a:solidFill>
                     <a:srgbClr val="000000"/>
                   </a:solidFill>
@@ -2350,7 +2355,7 @@
             </a:ln>
             <a:extLst>
               <a:ext uri="{91240B29-F687-4f45-9708-019B960494DF}">
-                <a14:hiddenLine xmlns:a14="http://schemas.microsoft.com/office/drawing/2010/main" xmlns="" w="9525">
+                <a14:hiddenLine xmlns="" xmlns:a14="http://schemas.microsoft.com/office/drawing/2010/main" w="9525">
                   <a:solidFill>
                     <a:srgbClr val="000000"/>
                   </a:solidFill>
@@ -2440,7 +2445,7 @@
             </a:ln>
             <a:extLst>
               <a:ext uri="{91240B29-F687-4f45-9708-019B960494DF}">
-                <a14:hiddenLine xmlns:a14="http://schemas.microsoft.com/office/drawing/2010/main" xmlns="" w="9525">
+                <a14:hiddenLine xmlns="" xmlns:a14="http://schemas.microsoft.com/office/drawing/2010/main" w="9525">
                   <a:solidFill>
                     <a:srgbClr val="000000"/>
                   </a:solidFill>
@@ -2502,7 +2507,7 @@
             </a:ln>
             <a:extLst>
               <a:ext uri="{91240B29-F687-4f45-9708-019B960494DF}">
-                <a14:hiddenLine xmlns:a14="http://schemas.microsoft.com/office/drawing/2010/main" xmlns="" w="9525">
+                <a14:hiddenLine xmlns="" xmlns:a14="http://schemas.microsoft.com/office/drawing/2010/main" w="9525">
                   <a:solidFill>
                     <a:srgbClr val="000000"/>
                   </a:solidFill>
@@ -2564,7 +2569,7 @@
             </a:ln>
             <a:extLst>
               <a:ext uri="{91240B29-F687-4f45-9708-019B960494DF}">
-                <a14:hiddenLine xmlns:a14="http://schemas.microsoft.com/office/drawing/2010/main" xmlns="" w="9525">
+                <a14:hiddenLine xmlns="" xmlns:a14="http://schemas.microsoft.com/office/drawing/2010/main" w="9525">
                   <a:solidFill>
                     <a:srgbClr val="000000"/>
                   </a:solidFill>
@@ -2654,7 +2659,7 @@
             </a:ln>
             <a:extLst>
               <a:ext uri="{91240B29-F687-4f45-9708-019B960494DF}">
-                <a14:hiddenLine xmlns:a14="http://schemas.microsoft.com/office/drawing/2010/main" xmlns="" w="9525">
+                <a14:hiddenLine xmlns="" xmlns:a14="http://schemas.microsoft.com/office/drawing/2010/main" w="9525">
                   <a:solidFill>
                     <a:srgbClr val="000000"/>
                   </a:solidFill>
@@ -2722,7 +2727,7 @@
             </a:ln>
             <a:extLst>
               <a:ext uri="{91240B29-F687-4f45-9708-019B960494DF}">
-                <a14:hiddenLine xmlns:a14="http://schemas.microsoft.com/office/drawing/2010/main" xmlns="" w="9525">
+                <a14:hiddenLine xmlns="" xmlns:a14="http://schemas.microsoft.com/office/drawing/2010/main" w="9525">
                   <a:solidFill>
                     <a:srgbClr val="000000"/>
                   </a:solidFill>
@@ -2784,7 +2789,7 @@
             </a:ln>
             <a:extLst>
               <a:ext uri="{91240B29-F687-4f45-9708-019B960494DF}">
-                <a14:hiddenLine xmlns:a14="http://schemas.microsoft.com/office/drawing/2010/main" xmlns="" w="9525">
+                <a14:hiddenLine xmlns="" xmlns:a14="http://schemas.microsoft.com/office/drawing/2010/main" w="9525">
                   <a:solidFill>
                     <a:srgbClr val="000000"/>
                   </a:solidFill>
@@ -2874,7 +2879,7 @@
             </a:ln>
             <a:extLst>
               <a:ext uri="{91240B29-F687-4f45-9708-019B960494DF}">
-                <a14:hiddenLine xmlns:a14="http://schemas.microsoft.com/office/drawing/2010/main" xmlns="" w="9525">
+                <a14:hiddenLine xmlns="" xmlns:a14="http://schemas.microsoft.com/office/drawing/2010/main" w="9525">
                   <a:solidFill>
                     <a:srgbClr val="000000"/>
                   </a:solidFill>
@@ -2936,7 +2941,7 @@
             </a:ln>
             <a:extLst>
               <a:ext uri="{91240B29-F687-4f45-9708-019B960494DF}">
-                <a14:hiddenLine xmlns:a14="http://schemas.microsoft.com/office/drawing/2010/main" xmlns="" w="9525">
+                <a14:hiddenLine xmlns="" xmlns:a14="http://schemas.microsoft.com/office/drawing/2010/main" w="9525">
                   <a:solidFill>
                     <a:srgbClr val="000000"/>
                   </a:solidFill>
@@ -3026,7 +3031,7 @@
             </a:ln>
             <a:extLst>
               <a:ext uri="{91240B29-F687-4f45-9708-019B960494DF}">
-                <a14:hiddenLine xmlns:a14="http://schemas.microsoft.com/office/drawing/2010/main" xmlns="" w="9525">
+                <a14:hiddenLine xmlns="" xmlns:a14="http://schemas.microsoft.com/office/drawing/2010/main" w="9525">
                   <a:solidFill>
                     <a:srgbClr val="000000"/>
                   </a:solidFill>
@@ -3088,7 +3093,7 @@
             </a:ln>
             <a:extLst>
               <a:ext uri="{91240B29-F687-4f45-9708-019B960494DF}">
-                <a14:hiddenLine xmlns:a14="http://schemas.microsoft.com/office/drawing/2010/main" xmlns="" w="9525">
+                <a14:hiddenLine xmlns="" xmlns:a14="http://schemas.microsoft.com/office/drawing/2010/main" w="9525">
                   <a:solidFill>
                     <a:srgbClr val="000000"/>
                   </a:solidFill>
@@ -3178,7 +3183,7 @@
             </a:ln>
             <a:extLst>
               <a:ext uri="{91240B29-F687-4f45-9708-019B960494DF}">
-                <a14:hiddenLine xmlns:a14="http://schemas.microsoft.com/office/drawing/2010/main" xmlns="" w="9525">
+                <a14:hiddenLine xmlns="" xmlns:a14="http://schemas.microsoft.com/office/drawing/2010/main" w="9525">
                   <a:solidFill>
                     <a:srgbClr val="000000"/>
                   </a:solidFill>
@@ -3212,7 +3217,7 @@
             </a:ln>
             <a:extLst>
               <a:ext uri="{91240B29-F687-4f45-9708-019B960494DF}">
-                <a14:hiddenLine xmlns:a14="http://schemas.microsoft.com/office/drawing/2010/main" xmlns="" w="9525">
+                <a14:hiddenLine xmlns="" xmlns:a14="http://schemas.microsoft.com/office/drawing/2010/main" w="9525">
                   <a:solidFill>
                     <a:srgbClr val="000000"/>
                   </a:solidFill>
@@ -3277,7 +3282,7 @@
             </a:ln>
             <a:extLst>
               <a:ext uri="{91240B29-F687-4f45-9708-019B960494DF}">
-                <a14:hiddenLine xmlns:a14="http://schemas.microsoft.com/office/drawing/2010/main" xmlns="" w="9525">
+                <a14:hiddenLine xmlns="" xmlns:a14="http://schemas.microsoft.com/office/drawing/2010/main" w="9525">
                   <a:solidFill>
                     <a:srgbClr val="000000"/>
                   </a:solidFill>
@@ -3367,7 +3372,7 @@
             </a:ln>
             <a:extLst>
               <a:ext uri="{91240B29-F687-4f45-9708-019B960494DF}">
-                <a14:hiddenLine xmlns:a14="http://schemas.microsoft.com/office/drawing/2010/main" xmlns="" w="9525">
+                <a14:hiddenLine xmlns="" xmlns:a14="http://schemas.microsoft.com/office/drawing/2010/main" w="9525">
                   <a:solidFill>
                     <a:srgbClr val="000000"/>
                   </a:solidFill>
@@ -3429,7 +3434,7 @@
             </a:ln>
             <a:extLst>
               <a:ext uri="{91240B29-F687-4f45-9708-019B960494DF}">
-                <a14:hiddenLine xmlns:a14="http://schemas.microsoft.com/office/drawing/2010/main" xmlns="" w="9525">
+                <a14:hiddenLine xmlns="" xmlns:a14="http://schemas.microsoft.com/office/drawing/2010/main" w="9525">
                   <a:solidFill>
                     <a:srgbClr val="000000"/>
                   </a:solidFill>
@@ -3519,7 +3524,7 @@
             </a:ln>
             <a:extLst>
               <a:ext uri="{91240B29-F687-4f45-9708-019B960494DF}">
-                <a14:hiddenLine xmlns:a14="http://schemas.microsoft.com/office/drawing/2010/main" xmlns="" w="9525">
+                <a14:hiddenLine xmlns="" xmlns:a14="http://schemas.microsoft.com/office/drawing/2010/main" w="9525">
                   <a:solidFill>
                     <a:srgbClr val="000000"/>
                   </a:solidFill>
@@ -3609,7 +3614,7 @@
             </a:ln>
             <a:extLst>
               <a:ext uri="{91240B29-F687-4f45-9708-019B960494DF}">
-                <a14:hiddenLine xmlns:a14="http://schemas.microsoft.com/office/drawing/2010/main" xmlns="" w="9525">
+                <a14:hiddenLine xmlns="" xmlns:a14="http://schemas.microsoft.com/office/drawing/2010/main" w="9525">
                   <a:solidFill>
                     <a:srgbClr val="000000"/>
                   </a:solidFill>
@@ -3674,7 +3679,7 @@
             </a:ln>
             <a:extLst>
               <a:ext uri="{91240B29-F687-4f45-9708-019B960494DF}">
-                <a14:hiddenLine xmlns:a14="http://schemas.microsoft.com/office/drawing/2010/main" xmlns="" w="9525">
+                <a14:hiddenLine xmlns="" xmlns:a14="http://schemas.microsoft.com/office/drawing/2010/main" w="9525">
                   <a:solidFill>
                     <a:srgbClr val="000000"/>
                   </a:solidFill>
@@ -3736,7 +3741,7 @@
             </a:ln>
             <a:extLst>
               <a:ext uri="{91240B29-F687-4f45-9708-019B960494DF}">
-                <a14:hiddenLine xmlns:a14="http://schemas.microsoft.com/office/drawing/2010/main" xmlns="" w="9525">
+                <a14:hiddenLine xmlns="" xmlns:a14="http://schemas.microsoft.com/office/drawing/2010/main" w="9525">
                   <a:solidFill>
                     <a:srgbClr val="000000"/>
                   </a:solidFill>
@@ -3826,7 +3831,7 @@
             </a:ln>
             <a:extLst>
               <a:ext uri="{91240B29-F687-4f45-9708-019B960494DF}">
-                <a14:hiddenLine xmlns:a14="http://schemas.microsoft.com/office/drawing/2010/main" xmlns="" w="9525">
+                <a14:hiddenLine xmlns="" xmlns:a14="http://schemas.microsoft.com/office/drawing/2010/main" w="9525">
                   <a:solidFill>
                     <a:srgbClr val="000000"/>
                   </a:solidFill>
@@ -3916,7 +3921,7 @@
             </a:ln>
             <a:extLst>
               <a:ext uri="{91240B29-F687-4f45-9708-019B960494DF}">
-                <a14:hiddenLine xmlns:a14="http://schemas.microsoft.com/office/drawing/2010/main" xmlns="" w="9525">
+                <a14:hiddenLine xmlns="" xmlns:a14="http://schemas.microsoft.com/office/drawing/2010/main" w="9525">
                   <a:solidFill>
                     <a:srgbClr val="000000"/>
                   </a:solidFill>
@@ -3978,7 +3983,7 @@
             </a:ln>
             <a:extLst>
               <a:ext uri="{91240B29-F687-4f45-9708-019B960494DF}">
-                <a14:hiddenLine xmlns:a14="http://schemas.microsoft.com/office/drawing/2010/main" xmlns="" w="9525">
+                <a14:hiddenLine xmlns="" xmlns:a14="http://schemas.microsoft.com/office/drawing/2010/main" w="9525">
                   <a:solidFill>
                     <a:srgbClr val="000000"/>
                   </a:solidFill>
@@ -4098,7 +4103,7 @@
             </a:ln>
             <a:extLst>
               <a:ext uri="{91240B29-F687-4f45-9708-019B960494DF}">
-                <a14:hiddenLine xmlns:a14="http://schemas.microsoft.com/office/drawing/2010/main" xmlns="" w="9525">
+                <a14:hiddenLine xmlns="" xmlns:a14="http://schemas.microsoft.com/office/drawing/2010/main" w="9525">
                   <a:solidFill>
                     <a:srgbClr val="000000"/>
                   </a:solidFill>
@@ -4166,7 +4171,7 @@
             </a:ln>
             <a:extLst>
               <a:ext uri="{91240B29-F687-4f45-9708-019B960494DF}">
-                <a14:hiddenLine xmlns:a14="http://schemas.microsoft.com/office/drawing/2010/main" xmlns="" w="9525">
+                <a14:hiddenLine xmlns="" xmlns:a14="http://schemas.microsoft.com/office/drawing/2010/main" w="9525">
                   <a:solidFill>
                     <a:srgbClr val="000000"/>
                   </a:solidFill>
@@ -4256,7 +4261,7 @@
             </a:ln>
             <a:extLst>
               <a:ext uri="{91240B29-F687-4f45-9708-019B960494DF}">
-                <a14:hiddenLine xmlns:a14="http://schemas.microsoft.com/office/drawing/2010/main" xmlns="" w="9525">
+                <a14:hiddenLine xmlns="" xmlns:a14="http://schemas.microsoft.com/office/drawing/2010/main" w="9525">
                   <a:solidFill>
                     <a:srgbClr val="000000"/>
                   </a:solidFill>
@@ -4396,7 +4401,7 @@
           <a:p>
             <a:fld id="{48A87A34-81AB-432B-8DAE-1953F412C126}" type="datetimeFigureOut">
               <a:rPr lang="en-US" dirty="0"/>
-              <a:t>5/7/2017</a:t>
+              <a:t>5/10/2017</a:t>
             </a:fld>
             <a:endParaRPr lang="en-US" dirty="0"/>
           </a:p>
@@ -4658,7 +4663,7 @@
           <a:p>
             <a:fld id="{48A87A34-81AB-432B-8DAE-1953F412C126}" type="datetimeFigureOut">
               <a:rPr lang="en-US" dirty="0"/>
-              <a:t>5/7/2017</a:t>
+              <a:t>5/10/2017</a:t>
             </a:fld>
             <a:endParaRPr lang="en-US" dirty="0"/>
           </a:p>
@@ -4849,7 +4854,7 @@
           <a:p>
             <a:fld id="{48A87A34-81AB-432B-8DAE-1953F412C126}" type="datetimeFigureOut">
               <a:rPr lang="en-US" dirty="0"/>
-              <a:t>5/7/2017</a:t>
+              <a:t>5/10/2017</a:t>
             </a:fld>
             <a:endParaRPr lang="en-US" dirty="0"/>
           </a:p>
@@ -5107,7 +5112,7 @@
           <a:p>
             <a:fld id="{48A87A34-81AB-432B-8DAE-1953F412C126}" type="datetimeFigureOut">
               <a:rPr lang="en-US" dirty="0"/>
-              <a:t>5/7/2017</a:t>
+              <a:t>5/10/2017</a:t>
             </a:fld>
             <a:endParaRPr lang="en-US" dirty="0"/>
           </a:p>
@@ -5536,7 +5541,7 @@
           <a:p>
             <a:fld id="{48A87A34-81AB-432B-8DAE-1953F412C126}" type="datetimeFigureOut">
               <a:rPr lang="en-US" dirty="0"/>
-              <a:t>5/7/2017</a:t>
+              <a:t>5/10/2017</a:t>
             </a:fld>
             <a:endParaRPr lang="en-US" dirty="0"/>
           </a:p>
@@ -6077,7 +6082,7 @@
           <a:p>
             <a:fld id="{48A87A34-81AB-432B-8DAE-1953F412C126}" type="datetimeFigureOut">
               <a:rPr lang="en-US" dirty="0"/>
-              <a:t>5/7/2017</a:t>
+              <a:t>5/10/2017</a:t>
             </a:fld>
             <a:endParaRPr lang="en-US" dirty="0"/>
           </a:p>
@@ -6792,7 +6797,7 @@
           <a:p>
             <a:fld id="{48A87A34-81AB-432B-8DAE-1953F412C126}" type="datetimeFigureOut">
               <a:rPr lang="en-US" dirty="0"/>
-              <a:t>5/7/2017</a:t>
+              <a:t>5/10/2017</a:t>
             </a:fld>
             <a:endParaRPr lang="en-US" dirty="0"/>
           </a:p>
@@ -6957,7 +6962,7 @@
           <a:p>
             <a:fld id="{48A87A34-81AB-432B-8DAE-1953F412C126}" type="datetimeFigureOut">
               <a:rPr lang="en-US" dirty="0"/>
-              <a:t>5/7/2017</a:t>
+              <a:t>5/10/2017</a:t>
             </a:fld>
             <a:endParaRPr lang="en-US" dirty="0"/>
           </a:p>
@@ -7132,7 +7137,7 @@
           <a:p>
             <a:fld id="{48A87A34-81AB-432B-8DAE-1953F412C126}" type="datetimeFigureOut">
               <a:rPr lang="en-US" dirty="0"/>
-              <a:t>5/7/2017</a:t>
+              <a:t>5/10/2017</a:t>
             </a:fld>
             <a:endParaRPr lang="en-US" dirty="0"/>
           </a:p>
@@ -7297,7 +7302,7 @@
           <a:p>
             <a:fld id="{48A87A34-81AB-432B-8DAE-1953F412C126}" type="datetimeFigureOut">
               <a:rPr lang="en-US" dirty="0"/>
-              <a:t>5/7/2017</a:t>
+              <a:t>5/10/2017</a:t>
             </a:fld>
             <a:endParaRPr lang="en-US" dirty="0"/>
           </a:p>
@@ -7542,7 +7547,7 @@
           <a:p>
             <a:fld id="{48A87A34-81AB-432B-8DAE-1953F412C126}" type="datetimeFigureOut">
               <a:rPr lang="en-US" dirty="0"/>
-              <a:t>5/7/2017</a:t>
+              <a:t>5/10/2017</a:t>
             </a:fld>
             <a:endParaRPr lang="en-US" dirty="0"/>
           </a:p>
@@ -7769,7 +7774,7 @@
           <a:p>
             <a:fld id="{48A87A34-81AB-432B-8DAE-1953F412C126}" type="datetimeFigureOut">
               <a:rPr lang="en-US" dirty="0"/>
-              <a:t>5/7/2017</a:t>
+              <a:t>5/10/2017</a:t>
             </a:fld>
             <a:endParaRPr lang="en-US" dirty="0"/>
           </a:p>
@@ -8145,7 +8150,7 @@
           <a:p>
             <a:fld id="{48A87A34-81AB-432B-8DAE-1953F412C126}" type="datetimeFigureOut">
               <a:rPr lang="en-US" dirty="0"/>
-              <a:t>5/7/2017</a:t>
+              <a:t>5/10/2017</a:t>
             </a:fld>
             <a:endParaRPr lang="en-US" dirty="0"/>
           </a:p>
@@ -8258,7 +8263,7 @@
           <a:p>
             <a:fld id="{48A87A34-81AB-432B-8DAE-1953F412C126}" type="datetimeFigureOut">
               <a:rPr lang="en-US" dirty="0"/>
-              <a:t>5/7/2017</a:t>
+              <a:t>5/10/2017</a:t>
             </a:fld>
             <a:endParaRPr lang="en-US" dirty="0"/>
           </a:p>
@@ -8348,7 +8353,7 @@
           <a:p>
             <a:fld id="{48A87A34-81AB-432B-8DAE-1953F412C126}" type="datetimeFigureOut">
               <a:rPr lang="en-US" dirty="0"/>
-              <a:t>5/7/2017</a:t>
+              <a:t>5/10/2017</a:t>
             </a:fld>
             <a:endParaRPr lang="en-US" dirty="0"/>
           </a:p>
@@ -8592,7 +8597,7 @@
           <a:p>
             <a:fld id="{48A87A34-81AB-432B-8DAE-1953F412C126}" type="datetimeFigureOut">
               <a:rPr lang="en-US" dirty="0"/>
-              <a:t>5/7/2017</a:t>
+              <a:t>5/10/2017</a:t>
             </a:fld>
             <a:endParaRPr lang="en-US" dirty="0"/>
           </a:p>
@@ -8867,7 +8872,7 @@
           <a:p>
             <a:fld id="{48A87A34-81AB-432B-8DAE-1953F412C126}" type="datetimeFigureOut">
               <a:rPr lang="en-US" dirty="0"/>
-              <a:t>5/7/2017</a:t>
+              <a:t>5/10/2017</a:t>
             </a:fld>
             <a:endParaRPr lang="en-US" dirty="0"/>
           </a:p>
@@ -8985,7 +8990,7 @@
           <a:noFill/>
           <a:extLst>
             <a:ext uri="{909E8E84-426E-40dd-AFC4-6F175D3DCCD1}">
-              <a14:hiddenFill xmlns:a14="http://schemas.microsoft.com/office/drawing/2010/main" xmlns="">
+              <a14:hiddenFill xmlns="" xmlns:a14="http://schemas.microsoft.com/office/drawing/2010/main">
                 <a:solidFill>
                   <a:srgbClr val="FFFFFF"/>
                 </a:solidFill>
@@ -9059,7 +9064,7 @@
               </a:ln>
               <a:extLst>
                 <a:ext uri="{91240B29-F687-4f45-9708-019B960494DF}">
-                  <a14:hiddenLine xmlns:a14="http://schemas.microsoft.com/office/drawing/2010/main" xmlns="" w="9525">
+                  <a14:hiddenLine xmlns="" xmlns:a14="http://schemas.microsoft.com/office/drawing/2010/main" w="9525">
                     <a:solidFill>
                       <a:srgbClr val="000000"/>
                     </a:solidFill>
@@ -9149,7 +9154,7 @@
               </a:ln>
               <a:extLst>
                 <a:ext uri="{91240B29-F687-4f45-9708-019B960494DF}">
-                  <a14:hiddenLine xmlns:a14="http://schemas.microsoft.com/office/drawing/2010/main" xmlns="" w="9525">
+                  <a14:hiddenLine xmlns="" xmlns:a14="http://schemas.microsoft.com/office/drawing/2010/main" w="9525">
                     <a:solidFill>
                       <a:srgbClr val="000000"/>
                     </a:solidFill>
@@ -9239,7 +9244,7 @@
               </a:ln>
               <a:extLst>
                 <a:ext uri="{91240B29-F687-4f45-9708-019B960494DF}">
-                  <a14:hiddenLine xmlns:a14="http://schemas.microsoft.com/office/drawing/2010/main" xmlns="" w="9525">
+                  <a14:hiddenLine xmlns="" xmlns:a14="http://schemas.microsoft.com/office/drawing/2010/main" w="9525">
                     <a:solidFill>
                       <a:srgbClr val="000000"/>
                     </a:solidFill>
@@ -9301,7 +9306,7 @@
               </a:ln>
               <a:extLst>
                 <a:ext uri="{91240B29-F687-4f45-9708-019B960494DF}">
-                  <a14:hiddenLine xmlns:a14="http://schemas.microsoft.com/office/drawing/2010/main" xmlns="" w="9525">
+                  <a14:hiddenLine xmlns="" xmlns:a14="http://schemas.microsoft.com/office/drawing/2010/main" w="9525">
                     <a:solidFill>
                       <a:srgbClr val="000000"/>
                     </a:solidFill>
@@ -9391,7 +9396,7 @@
               </a:ln>
               <a:extLst>
                 <a:ext uri="{91240B29-F687-4f45-9708-019B960494DF}">
-                  <a14:hiddenLine xmlns:a14="http://schemas.microsoft.com/office/drawing/2010/main" xmlns="" w="9525">
+                  <a14:hiddenLine xmlns="" xmlns:a14="http://schemas.microsoft.com/office/drawing/2010/main" w="9525">
                     <a:solidFill>
                       <a:srgbClr val="000000"/>
                     </a:solidFill>
@@ -9453,7 +9458,7 @@
               </a:ln>
               <a:extLst>
                 <a:ext uri="{91240B29-F687-4f45-9708-019B960494DF}">
-                  <a14:hiddenLine xmlns:a14="http://schemas.microsoft.com/office/drawing/2010/main" xmlns="" w="9525">
+                  <a14:hiddenLine xmlns="" xmlns:a14="http://schemas.microsoft.com/office/drawing/2010/main" w="9525">
                     <a:solidFill>
                       <a:srgbClr val="000000"/>
                     </a:solidFill>
@@ -9515,7 +9520,7 @@
               </a:ln>
               <a:extLst>
                 <a:ext uri="{91240B29-F687-4f45-9708-019B960494DF}">
-                  <a14:hiddenLine xmlns:a14="http://schemas.microsoft.com/office/drawing/2010/main" xmlns="" w="9525">
+                  <a14:hiddenLine xmlns="" xmlns:a14="http://schemas.microsoft.com/office/drawing/2010/main" w="9525">
                     <a:solidFill>
                       <a:srgbClr val="000000"/>
                     </a:solidFill>
@@ -9605,7 +9610,7 @@
               </a:ln>
               <a:extLst>
                 <a:ext uri="{91240B29-F687-4f45-9708-019B960494DF}">
-                  <a14:hiddenLine xmlns:a14="http://schemas.microsoft.com/office/drawing/2010/main" xmlns="" w="9525">
+                  <a14:hiddenLine xmlns="" xmlns:a14="http://schemas.microsoft.com/office/drawing/2010/main" w="9525">
                     <a:solidFill>
                       <a:srgbClr val="000000"/>
                     </a:solidFill>
@@ -9695,7 +9700,7 @@
               </a:ln>
               <a:extLst>
                 <a:ext uri="{91240B29-F687-4f45-9708-019B960494DF}">
-                  <a14:hiddenLine xmlns:a14="http://schemas.microsoft.com/office/drawing/2010/main" xmlns="" w="9525">
+                  <a14:hiddenLine xmlns="" xmlns:a14="http://schemas.microsoft.com/office/drawing/2010/main" w="9525">
                     <a:solidFill>
                       <a:srgbClr val="000000"/>
                     </a:solidFill>
@@ -9757,7 +9762,7 @@
               </a:ln>
               <a:extLst>
                 <a:ext uri="{91240B29-F687-4f45-9708-019B960494DF}">
-                  <a14:hiddenLine xmlns:a14="http://schemas.microsoft.com/office/drawing/2010/main" xmlns="" w="9525">
+                  <a14:hiddenLine xmlns="" xmlns:a14="http://schemas.microsoft.com/office/drawing/2010/main" w="9525">
                     <a:solidFill>
                       <a:srgbClr val="000000"/>
                     </a:solidFill>
@@ -9867,7 +9872,7 @@
               </a:ln>
               <a:extLst>
                 <a:ext uri="{91240B29-F687-4f45-9708-019B960494DF}">
-                  <a14:hiddenLine xmlns:a14="http://schemas.microsoft.com/office/drawing/2010/main" xmlns="" w="9525">
+                  <a14:hiddenLine xmlns="" xmlns:a14="http://schemas.microsoft.com/office/drawing/2010/main" w="9525">
                     <a:solidFill>
                       <a:srgbClr val="000000"/>
                     </a:solidFill>
@@ -9951,7 +9956,7 @@
               </a:ln>
               <a:extLst>
                 <a:ext uri="{91240B29-F687-4f45-9708-019B960494DF}">
-                  <a14:hiddenLine xmlns:a14="http://schemas.microsoft.com/office/drawing/2010/main" xmlns="" w="9525">
+                  <a14:hiddenLine xmlns="" xmlns:a14="http://schemas.microsoft.com/office/drawing/2010/main" w="9525">
                     <a:solidFill>
                       <a:srgbClr val="000000"/>
                     </a:solidFill>
@@ -10013,7 +10018,7 @@
               </a:ln>
               <a:extLst>
                 <a:ext uri="{91240B29-F687-4f45-9708-019B960494DF}">
-                  <a14:hiddenLine xmlns:a14="http://schemas.microsoft.com/office/drawing/2010/main" xmlns="" w="9525">
+                  <a14:hiddenLine xmlns="" xmlns:a14="http://schemas.microsoft.com/office/drawing/2010/main" w="9525">
                     <a:solidFill>
                       <a:srgbClr val="000000"/>
                     </a:solidFill>
@@ -10075,7 +10080,7 @@
               </a:ln>
               <a:extLst>
                 <a:ext uri="{91240B29-F687-4f45-9708-019B960494DF}">
-                  <a14:hiddenLine xmlns:a14="http://schemas.microsoft.com/office/drawing/2010/main" xmlns="" w="9525">
+                  <a14:hiddenLine xmlns="" xmlns:a14="http://schemas.microsoft.com/office/drawing/2010/main" w="9525">
                     <a:solidFill>
                       <a:srgbClr val="000000"/>
                     </a:solidFill>
@@ -10165,7 +10170,7 @@
               </a:ln>
               <a:extLst>
                 <a:ext uri="{91240B29-F687-4f45-9708-019B960494DF}">
-                  <a14:hiddenLine xmlns:a14="http://schemas.microsoft.com/office/drawing/2010/main" xmlns="" w="9525">
+                  <a14:hiddenLine xmlns="" xmlns:a14="http://schemas.microsoft.com/office/drawing/2010/main" w="9525">
                     <a:solidFill>
                       <a:srgbClr val="000000"/>
                     </a:solidFill>
@@ -10199,7 +10204,7 @@
               </a:ln>
               <a:extLst>
                 <a:ext uri="{91240B29-F687-4f45-9708-019B960494DF}">
-                  <a14:hiddenLine xmlns:a14="http://schemas.microsoft.com/office/drawing/2010/main" xmlns="" w="9525">
+                  <a14:hiddenLine xmlns="" xmlns:a14="http://schemas.microsoft.com/office/drawing/2010/main" w="9525">
                     <a:solidFill>
                       <a:srgbClr val="000000"/>
                     </a:solidFill>
@@ -10264,7 +10269,7 @@
               </a:ln>
               <a:extLst>
                 <a:ext uri="{91240B29-F687-4f45-9708-019B960494DF}">
-                  <a14:hiddenLine xmlns:a14="http://schemas.microsoft.com/office/drawing/2010/main" xmlns="" w="9525">
+                  <a14:hiddenLine xmlns="" xmlns:a14="http://schemas.microsoft.com/office/drawing/2010/main" w="9525">
                     <a:solidFill>
                       <a:srgbClr val="000000"/>
                     </a:solidFill>
@@ -10354,7 +10359,7 @@
               </a:ln>
               <a:extLst>
                 <a:ext uri="{91240B29-F687-4f45-9708-019B960494DF}">
-                  <a14:hiddenLine xmlns:a14="http://schemas.microsoft.com/office/drawing/2010/main" xmlns="" w="9525">
+                  <a14:hiddenLine xmlns="" xmlns:a14="http://schemas.microsoft.com/office/drawing/2010/main" w="9525">
                     <a:solidFill>
                       <a:srgbClr val="000000"/>
                     </a:solidFill>
@@ -10416,7 +10421,7 @@
               </a:ln>
               <a:extLst>
                 <a:ext uri="{91240B29-F687-4f45-9708-019B960494DF}">
-                  <a14:hiddenLine xmlns:a14="http://schemas.microsoft.com/office/drawing/2010/main" xmlns="" w="9525">
+                  <a14:hiddenLine xmlns="" xmlns:a14="http://schemas.microsoft.com/office/drawing/2010/main" w="9525">
                     <a:solidFill>
                       <a:srgbClr val="000000"/>
                     </a:solidFill>
@@ -10506,7 +10511,7 @@
               </a:ln>
               <a:extLst>
                 <a:ext uri="{91240B29-F687-4f45-9708-019B960494DF}">
-                  <a14:hiddenLine xmlns:a14="http://schemas.microsoft.com/office/drawing/2010/main" xmlns="" w="9525">
+                  <a14:hiddenLine xmlns="" xmlns:a14="http://schemas.microsoft.com/office/drawing/2010/main" w="9525">
                     <a:solidFill>
                       <a:srgbClr val="000000"/>
                     </a:solidFill>
@@ -10571,7 +10576,7 @@
               </a:ln>
               <a:extLst>
                 <a:ext uri="{91240B29-F687-4f45-9708-019B960494DF}">
-                  <a14:hiddenLine xmlns:a14="http://schemas.microsoft.com/office/drawing/2010/main" xmlns="" w="9525">
+                  <a14:hiddenLine xmlns="" xmlns:a14="http://schemas.microsoft.com/office/drawing/2010/main" w="9525">
                     <a:solidFill>
                       <a:srgbClr val="000000"/>
                     </a:solidFill>
@@ -10633,7 +10638,7 @@
               </a:ln>
               <a:extLst>
                 <a:ext uri="{91240B29-F687-4f45-9708-019B960494DF}">
-                  <a14:hiddenLine xmlns:a14="http://schemas.microsoft.com/office/drawing/2010/main" xmlns="" w="9525">
+                  <a14:hiddenLine xmlns="" xmlns:a14="http://schemas.microsoft.com/office/drawing/2010/main" w="9525">
                     <a:solidFill>
                       <a:srgbClr val="000000"/>
                     </a:solidFill>
@@ -10723,7 +10728,7 @@
               </a:ln>
               <a:extLst>
                 <a:ext uri="{91240B29-F687-4f45-9708-019B960494DF}">
-                  <a14:hiddenLine xmlns:a14="http://schemas.microsoft.com/office/drawing/2010/main" xmlns="" w="9525">
+                  <a14:hiddenLine xmlns="" xmlns:a14="http://schemas.microsoft.com/office/drawing/2010/main" w="9525">
                     <a:solidFill>
                       <a:srgbClr val="000000"/>
                     </a:solidFill>
@@ -10813,7 +10818,7 @@
               </a:ln>
               <a:extLst>
                 <a:ext uri="{91240B29-F687-4f45-9708-019B960494DF}">
-                  <a14:hiddenLine xmlns:a14="http://schemas.microsoft.com/office/drawing/2010/main" xmlns="" w="9525">
+                  <a14:hiddenLine xmlns="" xmlns:a14="http://schemas.microsoft.com/office/drawing/2010/main" w="9525">
                     <a:solidFill>
                       <a:srgbClr val="000000"/>
                     </a:solidFill>
@@ -10878,7 +10883,7 @@
               </a:ln>
               <a:extLst>
                 <a:ext uri="{91240B29-F687-4f45-9708-019B960494DF}">
-                  <a14:hiddenLine xmlns:a14="http://schemas.microsoft.com/office/drawing/2010/main" xmlns="" w="9525">
+                  <a14:hiddenLine xmlns="" xmlns:a14="http://schemas.microsoft.com/office/drawing/2010/main" w="9525">
                     <a:solidFill>
                       <a:srgbClr val="000000"/>
                     </a:solidFill>
@@ -10998,7 +11003,7 @@
               </a:ln>
               <a:extLst>
                 <a:ext uri="{91240B29-F687-4f45-9708-019B960494DF}">
-                  <a14:hiddenLine xmlns:a14="http://schemas.microsoft.com/office/drawing/2010/main" xmlns="" w="9525">
+                  <a14:hiddenLine xmlns="" xmlns:a14="http://schemas.microsoft.com/office/drawing/2010/main" w="9525">
                     <a:solidFill>
                       <a:srgbClr val="000000"/>
                     </a:solidFill>
@@ -11079,7 +11084,7 @@
               </a:ln>
               <a:extLst>
                 <a:ext uri="{91240B29-F687-4f45-9708-019B960494DF}">
-                  <a14:hiddenLine xmlns:a14="http://schemas.microsoft.com/office/drawing/2010/main" xmlns="" w="9525">
+                  <a14:hiddenLine xmlns="" xmlns:a14="http://schemas.microsoft.com/office/drawing/2010/main" w="9525">
                     <a:solidFill>
                       <a:srgbClr val="000000"/>
                     </a:solidFill>
@@ -11194,7 +11199,7 @@
               </a:ln>
               <a:extLst>
                 <a:ext uri="{91240B29-F687-4f45-9708-019B960494DF}">
-                  <a14:hiddenLine xmlns:a14="http://schemas.microsoft.com/office/drawing/2010/main" xmlns="" w="9525">
+                  <a14:hiddenLine xmlns="" xmlns:a14="http://schemas.microsoft.com/office/drawing/2010/main" w="9525">
                     <a:solidFill>
                       <a:srgbClr val="000000"/>
                     </a:solidFill>
@@ -11284,7 +11289,7 @@
               </a:ln>
               <a:extLst>
                 <a:ext uri="{91240B29-F687-4f45-9708-019B960494DF}">
-                  <a14:hiddenLine xmlns:a14="http://schemas.microsoft.com/office/drawing/2010/main" xmlns="" w="9525">
+                  <a14:hiddenLine xmlns="" xmlns:a14="http://schemas.microsoft.com/office/drawing/2010/main" w="9525">
                     <a:solidFill>
                       <a:srgbClr val="000000"/>
                     </a:solidFill>
@@ -11349,7 +11354,7 @@
               </a:ln>
               <a:extLst>
                 <a:ext uri="{91240B29-F687-4f45-9708-019B960494DF}">
-                  <a14:hiddenLine xmlns:a14="http://schemas.microsoft.com/office/drawing/2010/main" xmlns="" w="9525">
+                  <a14:hiddenLine xmlns="" xmlns:a14="http://schemas.microsoft.com/office/drawing/2010/main" w="9525">
                     <a:solidFill>
                       <a:srgbClr val="000000"/>
                     </a:solidFill>
@@ -11439,7 +11444,7 @@
               </a:ln>
               <a:extLst>
                 <a:ext uri="{91240B29-F687-4f45-9708-019B960494DF}">
-                  <a14:hiddenLine xmlns:a14="http://schemas.microsoft.com/office/drawing/2010/main" xmlns="" w="9525">
+                  <a14:hiddenLine xmlns="" xmlns:a14="http://schemas.microsoft.com/office/drawing/2010/main" w="9525">
                     <a:solidFill>
                       <a:srgbClr val="000000"/>
                     </a:solidFill>
@@ -11507,7 +11512,7 @@
               </a:ln>
               <a:extLst>
                 <a:ext uri="{91240B29-F687-4f45-9708-019B960494DF}">
-                  <a14:hiddenLine xmlns:a14="http://schemas.microsoft.com/office/drawing/2010/main" xmlns="" w="9525">
+                  <a14:hiddenLine xmlns="" xmlns:a14="http://schemas.microsoft.com/office/drawing/2010/main" w="9525">
                     <a:solidFill>
                       <a:srgbClr val="000000"/>
                     </a:solidFill>
@@ -11597,7 +11602,7 @@
               </a:ln>
               <a:extLst>
                 <a:ext uri="{91240B29-F687-4f45-9708-019B960494DF}">
-                  <a14:hiddenLine xmlns:a14="http://schemas.microsoft.com/office/drawing/2010/main" xmlns="" w="9525">
+                  <a14:hiddenLine xmlns="" xmlns:a14="http://schemas.microsoft.com/office/drawing/2010/main" w="9525">
                     <a:solidFill>
                       <a:srgbClr val="000000"/>
                     </a:solidFill>
@@ -11665,7 +11670,7 @@
               </a:ln>
               <a:extLst>
                 <a:ext uri="{91240B29-F687-4f45-9708-019B960494DF}">
-                  <a14:hiddenLine xmlns:a14="http://schemas.microsoft.com/office/drawing/2010/main" xmlns="" w="9525">
+                  <a14:hiddenLine xmlns="" xmlns:a14="http://schemas.microsoft.com/office/drawing/2010/main" w="9525">
                     <a:solidFill>
                       <a:srgbClr val="000000"/>
                     </a:solidFill>
@@ -11755,7 +11760,7 @@
               </a:ln>
               <a:extLst>
                 <a:ext uri="{91240B29-F687-4f45-9708-019B960494DF}">
-                  <a14:hiddenLine xmlns:a14="http://schemas.microsoft.com/office/drawing/2010/main" xmlns="" w="9525">
+                  <a14:hiddenLine xmlns="" xmlns:a14="http://schemas.microsoft.com/office/drawing/2010/main" w="9525">
                     <a:solidFill>
                       <a:srgbClr val="000000"/>
                     </a:solidFill>
@@ -11789,7 +11794,7 @@
               </a:ln>
               <a:extLst>
                 <a:ext uri="{91240B29-F687-4f45-9708-019B960494DF}">
-                  <a14:hiddenLine xmlns:a14="http://schemas.microsoft.com/office/drawing/2010/main" xmlns="" w="9525">
+                  <a14:hiddenLine xmlns="" xmlns:a14="http://schemas.microsoft.com/office/drawing/2010/main" w="9525">
                     <a:solidFill>
                       <a:srgbClr val="000000"/>
                     </a:solidFill>
@@ -11930,7 +11935,7 @@
             <a:fld id="{48A87A34-81AB-432B-8DAE-1953F412C126}" type="datetimeFigureOut">
               <a:rPr lang="en-US" dirty="0"/>
               <a:pPr/>
-              <a:t>5/7/2017</a:t>
+              <a:t>5/10/2017</a:t>
             </a:fld>
             <a:endParaRPr lang="en-US" dirty="0"/>
           </a:p>
@@ -12431,6 +12436,13 @@
   <p:clrMapOvr>
     <a:masterClrMapping/>
   </p:clrMapOvr>
+  <p:timing>
+    <p:tnLst>
+      <p:par>
+        <p:cTn id="1" dur="indefinite" restart="never" nodeType="tmRoot"/>
+      </p:par>
+    </p:tnLst>
+  </p:timing>
 </p:sld>
 </file>
 
@@ -12585,22 +12597,21 @@
                   <a:schemeClr val="tx1"/>
                 </a:solidFill>
               </a:rPr>
-              <a:t>) for program structure</a:t>
+              <a:t>) for program </a:t>
             </a:r>
-          </a:p>
-          <a:p>
-            <a:pPr marL="342900" indent="-342900">
-              <a:buFont typeface="Arial" panose="020B0604020202020204" pitchFamily="34" charset="0"/>
-              <a:buChar char="•"/>
-            </a:pPr>
             <a:r>
               <a:rPr lang="en-US" dirty="0" smtClean="0">
                 <a:solidFill>
                   <a:schemeClr val="tx1"/>
                 </a:solidFill>
               </a:rPr>
-              <a:t>Prevent SQL injection</a:t>
+              <a:t>structure</a:t>
             </a:r>
+            <a:endParaRPr lang="en-US" dirty="0" smtClean="0">
+              <a:solidFill>
+                <a:schemeClr val="tx1"/>
+              </a:solidFill>
+            </a:endParaRPr>
           </a:p>
         </p:txBody>
       </p:sp>
@@ -12614,6 +12625,13 @@
   <p:clrMapOvr>
     <a:masterClrMapping/>
   </p:clrMapOvr>
+  <p:timing>
+    <p:tnLst>
+      <p:par>
+        <p:cTn id="1" dur="indefinite" restart="never" nodeType="tmRoot"/>
+      </p:par>
+    </p:tnLst>
+  </p:timing>
 </p:sld>
 </file>
 
@@ -12692,21 +12710,15 @@
                   <a:schemeClr val="tx1"/>
                 </a:solidFill>
               </a:rPr>
-              <a:t>Choose: Vehicle or Gas Card</a:t>
+              <a:t>Choose</a:t>
             </a:r>
-          </a:p>
-          <a:p>
-            <a:pPr marL="342900" indent="-342900">
-              <a:buFont typeface="Arial" panose="020B0604020202020204" pitchFamily="34" charset="0"/>
-              <a:buChar char="•"/>
-            </a:pPr>
             <a:r>
               <a:rPr lang="en-US" dirty="0" smtClean="0">
                 <a:solidFill>
                   <a:schemeClr val="tx1"/>
                 </a:solidFill>
               </a:rPr>
-              <a:t>Choose: checkout or Return</a:t>
+              <a:t>: checkout or Return</a:t>
             </a:r>
           </a:p>
           <a:p>
@@ -12760,6 +12772,13 @@
   <p:clrMapOvr>
     <a:masterClrMapping/>
   </p:clrMapOvr>
+  <p:timing>
+    <p:tnLst>
+      <p:par>
+        <p:cTn id="1" dur="indefinite" restart="never" nodeType="tmRoot"/>
+      </p:par>
+    </p:tnLst>
+  </p:timing>
 </p:sld>
 </file>
 
@@ -12827,6 +12846,13 @@
   <p:clrMapOvr>
     <a:masterClrMapping/>
   </p:clrMapOvr>
+  <p:timing>
+    <p:tnLst>
+      <p:par>
+        <p:cTn id="1" dur="indefinite" restart="never" nodeType="tmRoot"/>
+      </p:par>
+    </p:tnLst>
+  </p:timing>
 </p:sld>
 </file>
 
@@ -12915,6 +12941,13 @@
   <p:clrMapOvr>
     <a:masterClrMapping/>
   </p:clrMapOvr>
+  <p:timing>
+    <p:tnLst>
+      <p:par>
+        <p:cTn id="1" dur="indefinite" restart="never" nodeType="tmRoot"/>
+      </p:par>
+    </p:tnLst>
+  </p:timing>
 </p:sld>
 </file>
 
@@ -13027,6 +13060,13 @@
   <p:clrMapOvr>
     <a:masterClrMapping/>
   </p:clrMapOvr>
+  <p:timing>
+    <p:tnLst>
+      <p:par>
+        <p:cTn id="1" dur="indefinite" restart="never" nodeType="tmRoot"/>
+      </p:par>
+    </p:tnLst>
+  </p:timing>
 </p:sld>
 </file>
 
@@ -13092,7 +13132,9 @@
           </a:xfrm>
         </p:spPr>
         <p:txBody>
-          <a:bodyPr/>
+          <a:bodyPr>
+            <a:normAutofit lnSpcReduction="10000"/>
+          </a:bodyPr>
           <a:lstStyle/>
           <a:p>
             <a:pPr marL="342900" indent="-342900">
@@ -13161,8 +13203,35 @@
                   <a:schemeClr val="tx1"/>
                 </a:solidFill>
               </a:rPr>
-              <a:t>Notify users of late returns via email or text</a:t>
+              <a:t>Notify users of late returns via email or </a:t>
             </a:r>
+            <a:r>
+              <a:rPr lang="en-US" dirty="0" smtClean="0">
+                <a:solidFill>
+                  <a:schemeClr val="tx1"/>
+                </a:solidFill>
+              </a:rPr>
+              <a:t>text</a:t>
+            </a:r>
+          </a:p>
+          <a:p>
+            <a:pPr marL="342900" indent="-342900">
+              <a:buFont typeface="Arial" panose="020B0604020202020204" pitchFamily="34" charset="0"/>
+              <a:buChar char="•"/>
+            </a:pPr>
+            <a:r>
+              <a:rPr lang="en-US" dirty="0">
+                <a:solidFill>
+                  <a:schemeClr val="tx1"/>
+                </a:solidFill>
+              </a:rPr>
+              <a:t>Prevent SQL injection</a:t>
+            </a:r>
+            <a:endParaRPr lang="en-US" dirty="0" smtClean="0">
+              <a:solidFill>
+                <a:schemeClr val="tx1"/>
+              </a:solidFill>
+            </a:endParaRPr>
           </a:p>
           <a:p>
             <a:pPr marL="342900" indent="-342900">
@@ -13187,6 +13256,13 @@
   <p:clrMapOvr>
     <a:masterClrMapping/>
   </p:clrMapOvr>
+  <p:timing>
+    <p:tnLst>
+      <p:par>
+        <p:cTn id="1" dur="indefinite" restart="never" nodeType="tmRoot"/>
+      </p:par>
+    </p:tnLst>
+  </p:timing>
 </p:sld>
 </file>
 
@@ -13255,6 +13331,13 @@
   <p:clrMapOvr>
     <a:masterClrMapping/>
   </p:clrMapOvr>
+  <p:timing>
+    <p:tnLst>
+      <p:par>
+        <p:cTn id="1" dur="indefinite" restart="never" nodeType="tmRoot"/>
+      </p:par>
+    </p:tnLst>
+  </p:timing>
 </p:sld>
 </file>
 
